--- a/docs/source/_static/examples_slides.pptx
+++ b/docs/source/_static/examples_slides.pptx
@@ -10,7 +10,9 @@
     <p:sldId id="259" r:id="rId4"/>
     <p:sldId id="260" r:id="rId5"/>
     <p:sldId id="261" r:id="rId6"/>
-    <p:sldId id="262" r:id="rId7"/>
+    <p:sldId id="263" r:id="rId7"/>
+    <p:sldId id="264" r:id="rId8"/>
+    <p:sldId id="262" r:id="rId9"/>
   </p:sldIdLst>
   <p:sldSz cx="12192000" cy="6858000"/>
   <p:notesSz cx="6858000" cy="9144000"/>
@@ -109,6 +111,11 @@
       </a:defRPr>
     </a:lvl9pPr>
   </p:defaultTextStyle>
+  <p:extLst>
+    <p:ext uri="{EFAFB233-063F-42B5-8137-9DF3F51BA10A}">
+      <p15:sldGuideLst xmlns:p15="http://schemas.microsoft.com/office/powerpoint/2012/main"/>
+    </p:ext>
+  </p:extLst>
 </p:presentation>
 </file>
 
@@ -116,17 +123,70 @@
 <pc:chgInfo xmlns:a="http://schemas.openxmlformats.org/drawingml/2006/main" xmlns:r="http://schemas.openxmlformats.org/officeDocument/2006/relationships" xmlns:ac="http://schemas.microsoft.com/office/drawing/2013/main/command" xmlns:pc="http://schemas.microsoft.com/office/powerpoint/2013/main/command">
   <pc:docChgLst>
     <pc:chgData name="Andrew Young" userId="21e287351fbe7380" providerId="LiveId" clId="{CC1BDC6B-C5B9-49DA-A0BA-512E551F6959}"/>
-    <pc:docChg chg="custSel addSld modSld sldOrd">
-      <pc:chgData name="Andrew Young" userId="21e287351fbe7380" providerId="LiveId" clId="{CC1BDC6B-C5B9-49DA-A0BA-512E551F6959}" dt="2022-12-06T06:31:48.858" v="179" actId="20577"/>
+    <pc:docChg chg="undo custSel addSld modSld sldOrd">
+      <pc:chgData name="Andrew Young" userId="21e287351fbe7380" providerId="LiveId" clId="{CC1BDC6B-C5B9-49DA-A0BA-512E551F6959}" dt="2022-12-06T18:14:55.412" v="419" actId="1037"/>
       <pc:docMkLst>
         <pc:docMk/>
       </pc:docMkLst>
+      <pc:sldChg chg="addSp modSp">
+        <pc:chgData name="Andrew Young" userId="21e287351fbe7380" providerId="LiveId" clId="{CC1BDC6B-C5B9-49DA-A0BA-512E551F6959}" dt="2022-12-06T17:20:03.431" v="404"/>
+        <pc:sldMkLst>
+          <pc:docMk/>
+          <pc:sldMk cId="1149835028" sldId="257"/>
+        </pc:sldMkLst>
+        <pc:spChg chg="add mod">
+          <ac:chgData name="Andrew Young" userId="21e287351fbe7380" providerId="LiveId" clId="{CC1BDC6B-C5B9-49DA-A0BA-512E551F6959}" dt="2022-12-06T17:20:03.431" v="404"/>
+          <ac:spMkLst>
+            <pc:docMk/>
+            <pc:sldMk cId="1149835028" sldId="257"/>
+            <ac:spMk id="2" creationId="{CAD12BD0-AD66-D8CF-5851-112856DCC682}"/>
+          </ac:spMkLst>
+        </pc:spChg>
+      </pc:sldChg>
+      <pc:sldChg chg="addSp modSp mod">
+        <pc:chgData name="Andrew Young" userId="21e287351fbe7380" providerId="LiveId" clId="{CC1BDC6B-C5B9-49DA-A0BA-512E551F6959}" dt="2022-12-06T17:19:56.069" v="403" actId="14100"/>
+        <pc:sldMkLst>
+          <pc:docMk/>
+          <pc:sldMk cId="1664740398" sldId="258"/>
+        </pc:sldMkLst>
+        <pc:spChg chg="add mod">
+          <ac:chgData name="Andrew Young" userId="21e287351fbe7380" providerId="LiveId" clId="{CC1BDC6B-C5B9-49DA-A0BA-512E551F6959}" dt="2022-12-06T17:19:56.069" v="403" actId="14100"/>
+          <ac:spMkLst>
+            <pc:docMk/>
+            <pc:sldMk cId="1664740398" sldId="258"/>
+            <ac:spMk id="3" creationId="{F3ECB29B-48B1-0E14-8A32-E60133846E93}"/>
+          </ac:spMkLst>
+        </pc:spChg>
+      </pc:sldChg>
+      <pc:sldChg chg="addSp modSp">
+        <pc:chgData name="Andrew Young" userId="21e287351fbe7380" providerId="LiveId" clId="{CC1BDC6B-C5B9-49DA-A0BA-512E551F6959}" dt="2022-12-06T17:20:06.048" v="405"/>
+        <pc:sldMkLst>
+          <pc:docMk/>
+          <pc:sldMk cId="1030713849" sldId="259"/>
+        </pc:sldMkLst>
+        <pc:spChg chg="add mod">
+          <ac:chgData name="Andrew Young" userId="21e287351fbe7380" providerId="LiveId" clId="{CC1BDC6B-C5B9-49DA-A0BA-512E551F6959}" dt="2022-12-06T17:20:06.048" v="405"/>
+          <ac:spMkLst>
+            <pc:docMk/>
+            <pc:sldMk cId="1030713849" sldId="259"/>
+            <ac:spMk id="2" creationId="{F91885CA-09C2-12DD-1AF4-49B22EDB6B46}"/>
+          </ac:spMkLst>
+        </pc:spChg>
+      </pc:sldChg>
       <pc:sldChg chg="addSp delSp modSp mod">
-        <pc:chgData name="Andrew Young" userId="21e287351fbe7380" providerId="LiveId" clId="{CC1BDC6B-C5B9-49DA-A0BA-512E551F6959}" dt="2022-12-06T06:24:36.098" v="19" actId="1076"/>
+        <pc:chgData name="Andrew Young" userId="21e287351fbe7380" providerId="LiveId" clId="{CC1BDC6B-C5B9-49DA-A0BA-512E551F6959}" dt="2022-12-06T17:20:08.624" v="406"/>
         <pc:sldMkLst>
           <pc:docMk/>
           <pc:sldMk cId="4240893282" sldId="260"/>
         </pc:sldMkLst>
+        <pc:spChg chg="add mod">
+          <ac:chgData name="Andrew Young" userId="21e287351fbe7380" providerId="LiveId" clId="{CC1BDC6B-C5B9-49DA-A0BA-512E551F6959}" dt="2022-12-06T17:20:08.624" v="406"/>
+          <ac:spMkLst>
+            <pc:docMk/>
+            <pc:sldMk cId="4240893282" sldId="260"/>
+            <ac:spMk id="2" creationId="{10FF9FBE-5EC4-B953-C78C-3C150474EA04}"/>
+          </ac:spMkLst>
+        </pc:spChg>
         <pc:spChg chg="mod">
           <ac:chgData name="Andrew Young" userId="21e287351fbe7380" providerId="LiveId" clId="{CC1BDC6B-C5B9-49DA-A0BA-512E551F6959}" dt="2022-12-06T06:24:36.098" v="19" actId="1076"/>
           <ac:spMkLst>
@@ -201,11 +261,19 @@
         </pc:picChg>
       </pc:sldChg>
       <pc:sldChg chg="addSp delSp modSp add mod ord">
-        <pc:chgData name="Andrew Young" userId="21e287351fbe7380" providerId="LiveId" clId="{CC1BDC6B-C5B9-49DA-A0BA-512E551F6959}" dt="2022-12-06T06:30:32.120" v="135" actId="1076"/>
+        <pc:chgData name="Andrew Young" userId="21e287351fbe7380" providerId="LiveId" clId="{CC1BDC6B-C5B9-49DA-A0BA-512E551F6959}" dt="2022-12-06T17:20:10.462" v="407"/>
         <pc:sldMkLst>
           <pc:docMk/>
           <pc:sldMk cId="3796784257" sldId="261"/>
         </pc:sldMkLst>
+        <pc:spChg chg="add mod">
+          <ac:chgData name="Andrew Young" userId="21e287351fbe7380" providerId="LiveId" clId="{CC1BDC6B-C5B9-49DA-A0BA-512E551F6959}" dt="2022-12-06T17:20:10.462" v="407"/>
+          <ac:spMkLst>
+            <pc:docMk/>
+            <pc:sldMk cId="3796784257" sldId="261"/>
+            <ac:spMk id="2" creationId="{4671D617-396A-8C52-BDA0-BD73C6C56B79}"/>
+          </ac:spMkLst>
+        </pc:spChg>
         <pc:spChg chg="mod">
           <ac:chgData name="Andrew Young" userId="21e287351fbe7380" providerId="LiveId" clId="{CC1BDC6B-C5B9-49DA-A0BA-512E551F6959}" dt="2022-12-06T06:30:32.120" v="135" actId="1076"/>
           <ac:spMkLst>
@@ -279,20 +347,338 @@
           </ac:picMkLst>
         </pc:picChg>
       </pc:sldChg>
-      <pc:sldChg chg="addSp modSp add mod">
-        <pc:chgData name="Andrew Young" userId="21e287351fbe7380" providerId="LiveId" clId="{CC1BDC6B-C5B9-49DA-A0BA-512E551F6959}" dt="2022-12-06T06:31:48.858" v="179" actId="20577"/>
+      <pc:sldChg chg="addSp delSp modSp add mod">
+        <pc:chgData name="Andrew Young" userId="21e287351fbe7380" providerId="LiveId" clId="{CC1BDC6B-C5B9-49DA-A0BA-512E551F6959}" dt="2022-12-06T17:20:20.261" v="410"/>
         <pc:sldMkLst>
           <pc:docMk/>
           <pc:sldMk cId="3231054105" sldId="262"/>
         </pc:sldMkLst>
-        <pc:spChg chg="add mod">
-          <ac:chgData name="Andrew Young" userId="21e287351fbe7380" providerId="LiveId" clId="{CC1BDC6B-C5B9-49DA-A0BA-512E551F6959}" dt="2022-12-06T06:31:48.858" v="179" actId="20577"/>
+        <pc:spChg chg="add del mod">
+          <ac:chgData name="Andrew Young" userId="21e287351fbe7380" providerId="LiveId" clId="{CC1BDC6B-C5B9-49DA-A0BA-512E551F6959}" dt="2022-12-06T16:47:55.288" v="383" actId="478"/>
           <ac:spMkLst>
             <pc:docMk/>
             <pc:sldMk cId="3231054105" sldId="262"/>
             <ac:spMk id="2" creationId="{DF94923F-E9CA-B2F3-C263-C7350DE0D610}"/>
           </ac:spMkLst>
         </pc:spChg>
+        <pc:spChg chg="mod">
+          <ac:chgData name="Andrew Young" userId="21e287351fbe7380" providerId="LiveId" clId="{CC1BDC6B-C5B9-49DA-A0BA-512E551F6959}" dt="2022-12-06T16:49:18.407" v="399" actId="1076"/>
+          <ac:spMkLst>
+            <pc:docMk/>
+            <pc:sldMk cId="3231054105" sldId="262"/>
+            <ac:spMk id="5" creationId="{9766E413-099E-1462-5446-20F4334D9C0A}"/>
+          </ac:spMkLst>
+        </pc:spChg>
+        <pc:spChg chg="mod">
+          <ac:chgData name="Andrew Young" userId="21e287351fbe7380" providerId="LiveId" clId="{CC1BDC6B-C5B9-49DA-A0BA-512E551F6959}" dt="2022-12-06T16:49:23.254" v="400" actId="1076"/>
+          <ac:spMkLst>
+            <pc:docMk/>
+            <pc:sldMk cId="3231054105" sldId="262"/>
+            <ac:spMk id="6" creationId="{F8A992CC-835E-7178-60B3-127F48632048}"/>
+          </ac:spMkLst>
+        </pc:spChg>
+        <pc:spChg chg="mod">
+          <ac:chgData name="Andrew Young" userId="21e287351fbe7380" providerId="LiveId" clId="{CC1BDC6B-C5B9-49DA-A0BA-512E551F6959}" dt="2022-12-06T16:49:23.254" v="400" actId="1076"/>
+          <ac:spMkLst>
+            <pc:docMk/>
+            <pc:sldMk cId="3231054105" sldId="262"/>
+            <ac:spMk id="12" creationId="{13643445-4B9E-F11B-FAC4-75F72B4D9F68}"/>
+          </ac:spMkLst>
+        </pc:spChg>
+        <pc:spChg chg="add mod">
+          <ac:chgData name="Andrew Young" userId="21e287351fbe7380" providerId="LiveId" clId="{CC1BDC6B-C5B9-49DA-A0BA-512E551F6959}" dt="2022-12-06T17:20:20.261" v="410"/>
+          <ac:spMkLst>
+            <pc:docMk/>
+            <pc:sldMk cId="3231054105" sldId="262"/>
+            <ac:spMk id="13" creationId="{DE3BF716-CE2B-8D01-B946-AD454253E52C}"/>
+          </ac:spMkLst>
+        </pc:spChg>
+        <pc:picChg chg="del">
+          <ac:chgData name="Andrew Young" userId="21e287351fbe7380" providerId="LiveId" clId="{CC1BDC6B-C5B9-49DA-A0BA-512E551F6959}" dt="2022-12-06T16:48:56.226" v="395" actId="478"/>
+          <ac:picMkLst>
+            <pc:docMk/>
+            <pc:sldMk cId="3231054105" sldId="262"/>
+            <ac:picMk id="3" creationId="{D51ADC93-D944-0228-B218-D3F3465AA994}"/>
+          </ac:picMkLst>
+        </pc:picChg>
+        <pc:picChg chg="del">
+          <ac:chgData name="Andrew Young" userId="21e287351fbe7380" providerId="LiveId" clId="{CC1BDC6B-C5B9-49DA-A0BA-512E551F6959}" dt="2022-12-06T16:48:30.561" v="387" actId="478"/>
+          <ac:picMkLst>
+            <pc:docMk/>
+            <pc:sldMk cId="3231054105" sldId="262"/>
+            <ac:picMk id="8" creationId="{4912E585-081E-F5FF-349F-54144A3DA682}"/>
+          </ac:picMkLst>
+        </pc:picChg>
+        <pc:picChg chg="add mod">
+          <ac:chgData name="Andrew Young" userId="21e287351fbe7380" providerId="LiveId" clId="{CC1BDC6B-C5B9-49DA-A0BA-512E551F6959}" dt="2022-12-06T16:48:36.055" v="394" actId="1076"/>
+          <ac:picMkLst>
+            <pc:docMk/>
+            <pc:sldMk cId="3231054105" sldId="262"/>
+            <ac:picMk id="9" creationId="{99DD15E1-52ED-2CF3-529E-C488EA4747B6}"/>
+          </ac:picMkLst>
+        </pc:picChg>
+        <pc:picChg chg="add mod">
+          <ac:chgData name="Andrew Young" userId="21e287351fbe7380" providerId="LiveId" clId="{CC1BDC6B-C5B9-49DA-A0BA-512E551F6959}" dt="2022-12-06T16:49:18.407" v="399" actId="1076"/>
+          <ac:picMkLst>
+            <pc:docMk/>
+            <pc:sldMk cId="3231054105" sldId="262"/>
+            <ac:picMk id="11" creationId="{DD68FD41-05C5-B2F9-6EBB-8F9ECD7F1409}"/>
+          </ac:picMkLst>
+        </pc:picChg>
+      </pc:sldChg>
+      <pc:sldChg chg="addSp delSp modSp add mod">
+        <pc:chgData name="Andrew Young" userId="21e287351fbe7380" providerId="LiveId" clId="{CC1BDC6B-C5B9-49DA-A0BA-512E551F6959}" dt="2022-12-06T17:20:12.484" v="408"/>
+        <pc:sldMkLst>
+          <pc:docMk/>
+          <pc:sldMk cId="4203560304" sldId="263"/>
+        </pc:sldMkLst>
+        <pc:spChg chg="mod">
+          <ac:chgData name="Andrew Young" userId="21e287351fbe7380" providerId="LiveId" clId="{CC1BDC6B-C5B9-49DA-A0BA-512E551F6959}" dt="2022-12-06T16:33:31.536" v="181" actId="1076"/>
+          <ac:spMkLst>
+            <pc:docMk/>
+            <pc:sldMk cId="4203560304" sldId="263"/>
+            <ac:spMk id="5" creationId="{9766E413-099E-1462-5446-20F4334D9C0A}"/>
+          </ac:spMkLst>
+        </pc:spChg>
+        <pc:spChg chg="mod">
+          <ac:chgData name="Andrew Young" userId="21e287351fbe7380" providerId="LiveId" clId="{CC1BDC6B-C5B9-49DA-A0BA-512E551F6959}" dt="2022-12-06T16:41:06.542" v="356" actId="1076"/>
+          <ac:spMkLst>
+            <pc:docMk/>
+            <pc:sldMk cId="4203560304" sldId="263"/>
+            <ac:spMk id="6" creationId="{F8A992CC-835E-7178-60B3-127F48632048}"/>
+          </ac:spMkLst>
+        </pc:spChg>
+        <pc:spChg chg="mod">
+          <ac:chgData name="Andrew Young" userId="21e287351fbe7380" providerId="LiveId" clId="{CC1BDC6B-C5B9-49DA-A0BA-512E551F6959}" dt="2022-12-06T16:41:06.542" v="356" actId="1076"/>
+          <ac:spMkLst>
+            <pc:docMk/>
+            <pc:sldMk cId="4203560304" sldId="263"/>
+            <ac:spMk id="12" creationId="{13643445-4B9E-F11B-FAC4-75F72B4D9F68}"/>
+          </ac:spMkLst>
+        </pc:spChg>
+        <pc:spChg chg="add mod">
+          <ac:chgData name="Andrew Young" userId="21e287351fbe7380" providerId="LiveId" clId="{CC1BDC6B-C5B9-49DA-A0BA-512E551F6959}" dt="2022-12-06T17:20:12.484" v="408"/>
+          <ac:spMkLst>
+            <pc:docMk/>
+            <pc:sldMk cId="4203560304" sldId="263"/>
+            <ac:spMk id="22" creationId="{2AA540C5-D687-ED32-5602-FF3412B585C3}"/>
+          </ac:spMkLst>
+        </pc:spChg>
+        <pc:picChg chg="del mod">
+          <ac:chgData name="Andrew Young" userId="21e287351fbe7380" providerId="LiveId" clId="{CC1BDC6B-C5B9-49DA-A0BA-512E551F6959}" dt="2022-12-06T16:34:06.662" v="188" actId="478"/>
+          <ac:picMkLst>
+            <pc:docMk/>
+            <pc:sldMk cId="4203560304" sldId="263"/>
+            <ac:picMk id="3" creationId="{D51ADC93-D944-0228-B218-D3F3465AA994}"/>
+          </ac:picMkLst>
+        </pc:picChg>
+        <pc:picChg chg="add mod">
+          <ac:chgData name="Andrew Young" userId="21e287351fbe7380" providerId="LiveId" clId="{CC1BDC6B-C5B9-49DA-A0BA-512E551F6959}" dt="2022-12-06T16:33:57.317" v="186" actId="1076"/>
+          <ac:picMkLst>
+            <pc:docMk/>
+            <pc:sldMk cId="4203560304" sldId="263"/>
+            <ac:picMk id="7" creationId="{03873C88-8DCB-71F4-D745-37153F1BAB41}"/>
+          </ac:picMkLst>
+        </pc:picChg>
+        <pc:picChg chg="del">
+          <ac:chgData name="Andrew Young" userId="21e287351fbe7380" providerId="LiveId" clId="{CC1BDC6B-C5B9-49DA-A0BA-512E551F6959}" dt="2022-12-06T16:33:34.893" v="182" actId="478"/>
+          <ac:picMkLst>
+            <pc:docMk/>
+            <pc:sldMk cId="4203560304" sldId="263"/>
+            <ac:picMk id="8" creationId="{4912E585-081E-F5FF-349F-54144A3DA682}"/>
+          </ac:picMkLst>
+        </pc:picChg>
+        <pc:picChg chg="add del mod modCrop">
+          <ac:chgData name="Andrew Young" userId="21e287351fbe7380" providerId="LiveId" clId="{CC1BDC6B-C5B9-49DA-A0BA-512E551F6959}" dt="2022-12-06T16:40:45.734" v="344" actId="1035"/>
+          <ac:picMkLst>
+            <pc:docMk/>
+            <pc:sldMk cId="4203560304" sldId="263"/>
+            <ac:picMk id="10" creationId="{F8CCE0A6-3C6A-4D3D-F3A3-F67AFD60C948}"/>
+          </ac:picMkLst>
+        </pc:picChg>
+        <pc:picChg chg="add mod modCrop">
+          <ac:chgData name="Andrew Young" userId="21e287351fbe7380" providerId="LiveId" clId="{CC1BDC6B-C5B9-49DA-A0BA-512E551F6959}" dt="2022-12-06T16:40:53.277" v="354" actId="1035"/>
+          <ac:picMkLst>
+            <pc:docMk/>
+            <pc:sldMk cId="4203560304" sldId="263"/>
+            <ac:picMk id="11" creationId="{DE14C122-D4BB-50EC-57E5-4689857E87BC}"/>
+          </ac:picMkLst>
+        </pc:picChg>
+        <pc:picChg chg="add mod modCrop">
+          <ac:chgData name="Andrew Young" userId="21e287351fbe7380" providerId="LiveId" clId="{CC1BDC6B-C5B9-49DA-A0BA-512E551F6959}" dt="2022-12-06T16:40:53.277" v="354" actId="1035"/>
+          <ac:picMkLst>
+            <pc:docMk/>
+            <pc:sldMk cId="4203560304" sldId="263"/>
+            <ac:picMk id="13" creationId="{EFA553D9-3EDE-E5C7-0CFA-186D3CCB5BD1}"/>
+          </ac:picMkLst>
+        </pc:picChg>
+        <pc:picChg chg="add mod modCrop">
+          <ac:chgData name="Andrew Young" userId="21e287351fbe7380" providerId="LiveId" clId="{CC1BDC6B-C5B9-49DA-A0BA-512E551F6959}" dt="2022-12-06T16:38:22.995" v="279" actId="1076"/>
+          <ac:picMkLst>
+            <pc:docMk/>
+            <pc:sldMk cId="4203560304" sldId="263"/>
+            <ac:picMk id="14" creationId="{30435696-AFCD-AB87-0628-81B1E14F58AB}"/>
+          </ac:picMkLst>
+        </pc:picChg>
+        <pc:picChg chg="add mod modCrop">
+          <ac:chgData name="Andrew Young" userId="21e287351fbe7380" providerId="LiveId" clId="{CC1BDC6B-C5B9-49DA-A0BA-512E551F6959}" dt="2022-12-06T16:38:25.269" v="280" actId="1076"/>
+          <ac:picMkLst>
+            <pc:docMk/>
+            <pc:sldMk cId="4203560304" sldId="263"/>
+            <ac:picMk id="15" creationId="{0501AB03-9861-DAAE-B62A-14D29E573CCF}"/>
+          </ac:picMkLst>
+        </pc:picChg>
+        <pc:picChg chg="add mod modCrop">
+          <ac:chgData name="Andrew Young" userId="21e287351fbe7380" providerId="LiveId" clId="{CC1BDC6B-C5B9-49DA-A0BA-512E551F6959}" dt="2022-12-06T16:38:32.140" v="295" actId="1035"/>
+          <ac:picMkLst>
+            <pc:docMk/>
+            <pc:sldMk cId="4203560304" sldId="263"/>
+            <ac:picMk id="16" creationId="{6BF4BBFE-7AFA-331A-B762-34DE700F39D5}"/>
+          </ac:picMkLst>
+        </pc:picChg>
+        <pc:picChg chg="add mod modCrop">
+          <ac:chgData name="Andrew Young" userId="21e287351fbe7380" providerId="LiveId" clId="{CC1BDC6B-C5B9-49DA-A0BA-512E551F6959}" dt="2022-12-06T16:39:07.031" v="302" actId="1076"/>
+          <ac:picMkLst>
+            <pc:docMk/>
+            <pc:sldMk cId="4203560304" sldId="263"/>
+            <ac:picMk id="17" creationId="{F4A55944-167A-A527-9790-A970F4732C8C}"/>
+          </ac:picMkLst>
+        </pc:picChg>
+        <pc:picChg chg="add del mod">
+          <ac:chgData name="Andrew Young" userId="21e287351fbe7380" providerId="LiveId" clId="{CC1BDC6B-C5B9-49DA-A0BA-512E551F6959}" dt="2022-12-06T16:39:01.567" v="301" actId="478"/>
+          <ac:picMkLst>
+            <pc:docMk/>
+            <pc:sldMk cId="4203560304" sldId="263"/>
+            <ac:picMk id="18" creationId="{AA461821-9866-5E95-5E0B-6EEB7D0B6440}"/>
+          </ac:picMkLst>
+        </pc:picChg>
+        <pc:picChg chg="add mod modCrop">
+          <ac:chgData name="Andrew Young" userId="21e287351fbe7380" providerId="LiveId" clId="{CC1BDC6B-C5B9-49DA-A0BA-512E551F6959}" dt="2022-12-06T16:39:40.220" v="309" actId="1076"/>
+          <ac:picMkLst>
+            <pc:docMk/>
+            <pc:sldMk cId="4203560304" sldId="263"/>
+            <ac:picMk id="19" creationId="{7D5FE6F6-023A-E286-BBB9-FE3987D339FA}"/>
+          </ac:picMkLst>
+        </pc:picChg>
+        <pc:picChg chg="add mod modCrop">
+          <ac:chgData name="Andrew Young" userId="21e287351fbe7380" providerId="LiveId" clId="{CC1BDC6B-C5B9-49DA-A0BA-512E551F6959}" dt="2022-12-06T16:40:27.385" v="327" actId="1036"/>
+          <ac:picMkLst>
+            <pc:docMk/>
+            <pc:sldMk cId="4203560304" sldId="263"/>
+            <ac:picMk id="20" creationId="{E74BCA93-2E9A-A744-0821-15AECF5A4058}"/>
+          </ac:picMkLst>
+        </pc:picChg>
+        <pc:picChg chg="add mod modCrop">
+          <ac:chgData name="Andrew Young" userId="21e287351fbe7380" providerId="LiveId" clId="{CC1BDC6B-C5B9-49DA-A0BA-512E551F6959}" dt="2022-12-06T16:40:23.726" v="318" actId="1076"/>
+          <ac:picMkLst>
+            <pc:docMk/>
+            <pc:sldMk cId="4203560304" sldId="263"/>
+            <ac:picMk id="21" creationId="{F1E54E4A-8EBC-534B-E37D-68FDA9452BD1}"/>
+          </ac:picMkLst>
+        </pc:picChg>
+      </pc:sldChg>
+      <pc:sldChg chg="addSp delSp modSp add mod">
+        <pc:chgData name="Andrew Young" userId="21e287351fbe7380" providerId="LiveId" clId="{CC1BDC6B-C5B9-49DA-A0BA-512E551F6959}" dt="2022-12-06T18:14:55.412" v="419" actId="1037"/>
+        <pc:sldMkLst>
+          <pc:docMk/>
+          <pc:sldMk cId="2941680704" sldId="264"/>
+        </pc:sldMkLst>
+        <pc:spChg chg="mod">
+          <ac:chgData name="Andrew Young" userId="21e287351fbe7380" providerId="LiveId" clId="{CC1BDC6B-C5B9-49DA-A0BA-512E551F6959}" dt="2022-12-06T16:47:39.649" v="381" actId="1076"/>
+          <ac:spMkLst>
+            <pc:docMk/>
+            <pc:sldMk cId="2941680704" sldId="264"/>
+            <ac:spMk id="5" creationId="{9766E413-099E-1462-5446-20F4334D9C0A}"/>
+          </ac:spMkLst>
+        </pc:spChg>
+        <pc:spChg chg="del">
+          <ac:chgData name="Andrew Young" userId="21e287351fbe7380" providerId="LiveId" clId="{CC1BDC6B-C5B9-49DA-A0BA-512E551F6959}" dt="2022-12-06T16:44:40.313" v="364" actId="478"/>
+          <ac:spMkLst>
+            <pc:docMk/>
+            <pc:sldMk cId="2941680704" sldId="264"/>
+            <ac:spMk id="6" creationId="{F8A992CC-835E-7178-60B3-127F48632048}"/>
+          </ac:spMkLst>
+        </pc:spChg>
+        <pc:spChg chg="add mod">
+          <ac:chgData name="Andrew Young" userId="21e287351fbe7380" providerId="LiveId" clId="{CC1BDC6B-C5B9-49DA-A0BA-512E551F6959}" dt="2022-12-06T16:47:46.049" v="382" actId="1076"/>
+          <ac:spMkLst>
+            <pc:docMk/>
+            <pc:sldMk cId="2941680704" sldId="264"/>
+            <ac:spMk id="8" creationId="{BEB1A779-ACA2-8ABF-4EC4-14EED96EF03B}"/>
+          </ac:spMkLst>
+        </pc:spChg>
+        <pc:spChg chg="add mod">
+          <ac:chgData name="Andrew Young" userId="21e287351fbe7380" providerId="LiveId" clId="{CC1BDC6B-C5B9-49DA-A0BA-512E551F6959}" dt="2022-12-06T16:47:46.049" v="382" actId="1076"/>
+          <ac:spMkLst>
+            <pc:docMk/>
+            <pc:sldMk cId="2941680704" sldId="264"/>
+            <ac:spMk id="10" creationId="{0054EB98-9DEE-D879-E358-AF7961C8E085}"/>
+          </ac:spMkLst>
+        </pc:spChg>
+        <pc:spChg chg="add mod">
+          <ac:chgData name="Andrew Young" userId="21e287351fbe7380" providerId="LiveId" clId="{CC1BDC6B-C5B9-49DA-A0BA-512E551F6959}" dt="2022-12-06T17:20:17.037" v="409"/>
+          <ac:spMkLst>
+            <pc:docMk/>
+            <pc:sldMk cId="2941680704" sldId="264"/>
+            <ac:spMk id="18" creationId="{6FB3F63F-7F7A-CB29-896B-91F1F07C308C}"/>
+          </ac:spMkLst>
+        </pc:spChg>
+        <pc:picChg chg="del">
+          <ac:chgData name="Andrew Young" userId="21e287351fbe7380" providerId="LiveId" clId="{CC1BDC6B-C5B9-49DA-A0BA-512E551F6959}" dt="2022-12-06T16:44:02.100" v="358" actId="478"/>
+          <ac:picMkLst>
+            <pc:docMk/>
+            <pc:sldMk cId="2941680704" sldId="264"/>
+            <ac:picMk id="2" creationId="{337F3F2F-CBA9-FD68-2BC4-E0BE9F93FF99}"/>
+          </ac:picMkLst>
+        </pc:picChg>
+        <pc:picChg chg="add mod">
+          <ac:chgData name="Andrew Young" userId="21e287351fbe7380" providerId="LiveId" clId="{CC1BDC6B-C5B9-49DA-A0BA-512E551F6959}" dt="2022-12-06T16:44:15.820" v="362" actId="1076"/>
+          <ac:picMkLst>
+            <pc:docMk/>
+            <pc:sldMk cId="2941680704" sldId="264"/>
+            <ac:picMk id="7" creationId="{5E51AA4A-0002-EB62-50B2-3C2A6C5DD4F8}"/>
+          </ac:picMkLst>
+        </pc:picChg>
+        <pc:picChg chg="del">
+          <ac:chgData name="Andrew Young" userId="21e287351fbe7380" providerId="LiveId" clId="{CC1BDC6B-C5B9-49DA-A0BA-512E551F6959}" dt="2022-12-06T16:46:40.965" v="374" actId="478"/>
+          <ac:picMkLst>
+            <pc:docMk/>
+            <pc:sldMk cId="2941680704" sldId="264"/>
+            <ac:picMk id="9" creationId="{EA76776D-B412-646E-BE54-6D9A4A9EBAB4}"/>
+          </ac:picMkLst>
+        </pc:picChg>
+        <pc:picChg chg="del">
+          <ac:chgData name="Andrew Young" userId="21e287351fbe7380" providerId="LiveId" clId="{CC1BDC6B-C5B9-49DA-A0BA-512E551F6959}" dt="2022-12-06T16:44:36.135" v="363" actId="478"/>
+          <ac:picMkLst>
+            <pc:docMk/>
+            <pc:sldMk cId="2941680704" sldId="264"/>
+            <ac:picMk id="11" creationId="{432492EB-6CB0-98C5-4339-767A6A73F09C}"/>
+          </ac:picMkLst>
+        </pc:picChg>
+        <pc:picChg chg="add del mod">
+          <ac:chgData name="Andrew Young" userId="21e287351fbe7380" providerId="LiveId" clId="{CC1BDC6B-C5B9-49DA-A0BA-512E551F6959}" dt="2022-12-06T16:46:03.856" v="370" actId="478"/>
+          <ac:picMkLst>
+            <pc:docMk/>
+            <pc:sldMk cId="2941680704" sldId="264"/>
+            <ac:picMk id="13" creationId="{A648858F-2032-8B17-6898-1ABF7DB5EE4A}"/>
+          </ac:picMkLst>
+        </pc:picChg>
+        <pc:picChg chg="add mod">
+          <ac:chgData name="Andrew Young" userId="21e287351fbe7380" providerId="LiveId" clId="{CC1BDC6B-C5B9-49DA-A0BA-512E551F6959}" dt="2022-12-06T16:46:46" v="375" actId="1076"/>
+          <ac:picMkLst>
+            <pc:docMk/>
+            <pc:sldMk cId="2941680704" sldId="264"/>
+            <ac:picMk id="15" creationId="{66A06B18-3900-E887-853E-0D8EBB696618}"/>
+          </ac:picMkLst>
+        </pc:picChg>
+        <pc:picChg chg="add mod">
+          <ac:chgData name="Andrew Young" userId="21e287351fbe7380" providerId="LiveId" clId="{CC1BDC6B-C5B9-49DA-A0BA-512E551F6959}" dt="2022-12-06T18:14:55.412" v="419" actId="1037"/>
+          <ac:picMkLst>
+            <pc:docMk/>
+            <pc:sldMk cId="2941680704" sldId="264"/>
+            <ac:picMk id="17" creationId="{F968036A-A4DC-1D84-239B-DFACC6AE9A05}"/>
+          </ac:picMkLst>
+        </pc:picChg>
       </pc:sldChg>
     </pc:docChg>
   </pc:docChgLst>
@@ -446,7 +832,7 @@
           <a:p>
             <a:fld id="{0EDD4DDC-3BCC-4F21-9A32-58F0904B7EA9}" type="datetimeFigureOut">
               <a:rPr lang="en-US" smtClean="0"/>
-              <a:t>12/5/2022</a:t>
+              <a:t>12/6/2022</a:t>
             </a:fld>
             <a:endParaRPr lang="en-US"/>
           </a:p>
@@ -644,7 +1030,7 @@
           <a:p>
             <a:fld id="{0EDD4DDC-3BCC-4F21-9A32-58F0904B7EA9}" type="datetimeFigureOut">
               <a:rPr lang="en-US" smtClean="0"/>
-              <a:t>12/5/2022</a:t>
+              <a:t>12/6/2022</a:t>
             </a:fld>
             <a:endParaRPr lang="en-US"/>
           </a:p>
@@ -852,7 +1238,7 @@
           <a:p>
             <a:fld id="{0EDD4DDC-3BCC-4F21-9A32-58F0904B7EA9}" type="datetimeFigureOut">
               <a:rPr lang="en-US" smtClean="0"/>
-              <a:t>12/5/2022</a:t>
+              <a:t>12/6/2022</a:t>
             </a:fld>
             <a:endParaRPr lang="en-US"/>
           </a:p>
@@ -1050,7 +1436,7 @@
           <a:p>
             <a:fld id="{0EDD4DDC-3BCC-4F21-9A32-58F0904B7EA9}" type="datetimeFigureOut">
               <a:rPr lang="en-US" smtClean="0"/>
-              <a:t>12/5/2022</a:t>
+              <a:t>12/6/2022</a:t>
             </a:fld>
             <a:endParaRPr lang="en-US"/>
           </a:p>
@@ -1325,7 +1711,7 @@
           <a:p>
             <a:fld id="{0EDD4DDC-3BCC-4F21-9A32-58F0904B7EA9}" type="datetimeFigureOut">
               <a:rPr lang="en-US" smtClean="0"/>
-              <a:t>12/5/2022</a:t>
+              <a:t>12/6/2022</a:t>
             </a:fld>
             <a:endParaRPr lang="en-US"/>
           </a:p>
@@ -1590,7 +1976,7 @@
           <a:p>
             <a:fld id="{0EDD4DDC-3BCC-4F21-9A32-58F0904B7EA9}" type="datetimeFigureOut">
               <a:rPr lang="en-US" smtClean="0"/>
-              <a:t>12/5/2022</a:t>
+              <a:t>12/6/2022</a:t>
             </a:fld>
             <a:endParaRPr lang="en-US"/>
           </a:p>
@@ -2002,7 +2388,7 @@
           <a:p>
             <a:fld id="{0EDD4DDC-3BCC-4F21-9A32-58F0904B7EA9}" type="datetimeFigureOut">
               <a:rPr lang="en-US" smtClean="0"/>
-              <a:t>12/5/2022</a:t>
+              <a:t>12/6/2022</a:t>
             </a:fld>
             <a:endParaRPr lang="en-US"/>
           </a:p>
@@ -2143,7 +2529,7 @@
           <a:p>
             <a:fld id="{0EDD4DDC-3BCC-4F21-9A32-58F0904B7EA9}" type="datetimeFigureOut">
               <a:rPr lang="en-US" smtClean="0"/>
-              <a:t>12/5/2022</a:t>
+              <a:t>12/6/2022</a:t>
             </a:fld>
             <a:endParaRPr lang="en-US"/>
           </a:p>
@@ -2256,7 +2642,7 @@
           <a:p>
             <a:fld id="{0EDD4DDC-3BCC-4F21-9A32-58F0904B7EA9}" type="datetimeFigureOut">
               <a:rPr lang="en-US" smtClean="0"/>
-              <a:t>12/5/2022</a:t>
+              <a:t>12/6/2022</a:t>
             </a:fld>
             <a:endParaRPr lang="en-US"/>
           </a:p>
@@ -2567,7 +2953,7 @@
           <a:p>
             <a:fld id="{0EDD4DDC-3BCC-4F21-9A32-58F0904B7EA9}" type="datetimeFigureOut">
               <a:rPr lang="en-US" smtClean="0"/>
-              <a:t>12/5/2022</a:t>
+              <a:t>12/6/2022</a:t>
             </a:fld>
             <a:endParaRPr lang="en-US"/>
           </a:p>
@@ -2855,7 +3241,7 @@
           <a:p>
             <a:fld id="{0EDD4DDC-3BCC-4F21-9A32-58F0904B7EA9}" type="datetimeFigureOut">
               <a:rPr lang="en-US" smtClean="0"/>
-              <a:t>12/5/2022</a:t>
+              <a:t>12/6/2022</a:t>
             </a:fld>
             <a:endParaRPr lang="en-US"/>
           </a:p>
@@ -3096,7 +3482,7 @@
           <a:p>
             <a:fld id="{0EDD4DDC-3BCC-4F21-9A32-58F0904B7EA9}" type="datetimeFigureOut">
               <a:rPr lang="en-US" smtClean="0"/>
-              <a:t>12/5/2022</a:t>
+              <a:t>12/6/2022</a:t>
             </a:fld>
             <a:endParaRPr lang="en-US"/>
           </a:p>
@@ -3713,6 +4099,53 @@
           </a:prstGeom>
         </p:spPr>
       </p:pic>
+      <p:sp>
+        <p:nvSpPr>
+          <p:cNvPr id="2" name="Rectangle 1">
+            <a:extLst>
+              <a:ext uri="{FF2B5EF4-FFF2-40B4-BE49-F238E27FC236}">
+                <a16:creationId xmlns:a16="http://schemas.microsoft.com/office/drawing/2014/main" id="{CAD12BD0-AD66-D8CF-5851-112856DCC682}"/>
+              </a:ext>
+            </a:extLst>
+          </p:cNvPr>
+          <p:cNvSpPr/>
+          <p:nvPr/>
+        </p:nvSpPr>
+        <p:spPr>
+          <a:xfrm>
+            <a:off x="859458" y="45132"/>
+            <a:ext cx="10380206" cy="6767738"/>
+          </a:xfrm>
+          <a:prstGeom prst="rect">
+            <a:avLst/>
+          </a:prstGeom>
+          <a:noFill/>
+        </p:spPr>
+        <p:style>
+          <a:lnRef idx="2">
+            <a:schemeClr val="accent1">
+              <a:shade val="50000"/>
+            </a:schemeClr>
+          </a:lnRef>
+          <a:fillRef idx="1">
+            <a:schemeClr val="accent1"/>
+          </a:fillRef>
+          <a:effectRef idx="0">
+            <a:schemeClr val="accent1"/>
+          </a:effectRef>
+          <a:fontRef idx="minor">
+            <a:schemeClr val="lt1"/>
+          </a:fontRef>
+        </p:style>
+        <p:txBody>
+          <a:bodyPr rtlCol="0" anchor="ctr"/>
+          <a:lstStyle/>
+          <a:p>
+            <a:pPr algn="ctr"/>
+            <a:endParaRPr lang="en-US"/>
+          </a:p>
+        </p:txBody>
+      </p:sp>
     </p:spTree>
     <p:extLst>
       <p:ext uri="{BB962C8B-B14F-4D97-AF65-F5344CB8AC3E}">
@@ -3938,6 +4371,53 @@
           </a:prstGeom>
         </p:spPr>
       </p:pic>
+      <p:sp>
+        <p:nvSpPr>
+          <p:cNvPr id="3" name="Rectangle 2">
+            <a:extLst>
+              <a:ext uri="{FF2B5EF4-FFF2-40B4-BE49-F238E27FC236}">
+                <a16:creationId xmlns:a16="http://schemas.microsoft.com/office/drawing/2014/main" id="{F3ECB29B-48B1-0E14-8A32-E60133846E93}"/>
+              </a:ext>
+            </a:extLst>
+          </p:cNvPr>
+          <p:cNvSpPr/>
+          <p:nvPr/>
+        </p:nvSpPr>
+        <p:spPr>
+          <a:xfrm>
+            <a:off x="859458" y="45132"/>
+            <a:ext cx="10380206" cy="6767738"/>
+          </a:xfrm>
+          <a:prstGeom prst="rect">
+            <a:avLst/>
+          </a:prstGeom>
+          <a:noFill/>
+        </p:spPr>
+        <p:style>
+          <a:lnRef idx="2">
+            <a:schemeClr val="accent1">
+              <a:shade val="50000"/>
+            </a:schemeClr>
+          </a:lnRef>
+          <a:fillRef idx="1">
+            <a:schemeClr val="accent1"/>
+          </a:fillRef>
+          <a:effectRef idx="0">
+            <a:schemeClr val="accent1"/>
+          </a:effectRef>
+          <a:fontRef idx="minor">
+            <a:schemeClr val="lt1"/>
+          </a:fontRef>
+        </p:style>
+        <p:txBody>
+          <a:bodyPr rtlCol="0" anchor="ctr"/>
+          <a:lstStyle/>
+          <a:p>
+            <a:pPr algn="ctr"/>
+            <a:endParaRPr lang="en-US"/>
+          </a:p>
+        </p:txBody>
+      </p:sp>
     </p:spTree>
     <p:extLst>
       <p:ext uri="{BB962C8B-B14F-4D97-AF65-F5344CB8AC3E}">
@@ -4223,6 +4703,53 @@
           </a:prstGeom>
         </p:spPr>
       </p:pic>
+      <p:sp>
+        <p:nvSpPr>
+          <p:cNvPr id="2" name="Rectangle 1">
+            <a:extLst>
+              <a:ext uri="{FF2B5EF4-FFF2-40B4-BE49-F238E27FC236}">
+                <a16:creationId xmlns:a16="http://schemas.microsoft.com/office/drawing/2014/main" id="{F91885CA-09C2-12DD-1AF4-49B22EDB6B46}"/>
+              </a:ext>
+            </a:extLst>
+          </p:cNvPr>
+          <p:cNvSpPr/>
+          <p:nvPr/>
+        </p:nvSpPr>
+        <p:spPr>
+          <a:xfrm>
+            <a:off x="859458" y="45132"/>
+            <a:ext cx="10380206" cy="6767738"/>
+          </a:xfrm>
+          <a:prstGeom prst="rect">
+            <a:avLst/>
+          </a:prstGeom>
+          <a:noFill/>
+        </p:spPr>
+        <p:style>
+          <a:lnRef idx="2">
+            <a:schemeClr val="accent1">
+              <a:shade val="50000"/>
+            </a:schemeClr>
+          </a:lnRef>
+          <a:fillRef idx="1">
+            <a:schemeClr val="accent1"/>
+          </a:fillRef>
+          <a:effectRef idx="0">
+            <a:schemeClr val="accent1"/>
+          </a:effectRef>
+          <a:fontRef idx="minor">
+            <a:schemeClr val="lt1"/>
+          </a:fontRef>
+        </p:style>
+        <p:txBody>
+          <a:bodyPr rtlCol="0" anchor="ctr"/>
+          <a:lstStyle/>
+          <a:p>
+            <a:pPr algn="ctr"/>
+            <a:endParaRPr lang="en-US"/>
+          </a:p>
+        </p:txBody>
+      </p:sp>
     </p:spTree>
     <p:extLst>
       <p:ext uri="{BB962C8B-B14F-4D97-AF65-F5344CB8AC3E}">
@@ -4448,6 +4975,53 @@
           </a:prstGeom>
         </p:spPr>
       </p:pic>
+      <p:sp>
+        <p:nvSpPr>
+          <p:cNvPr id="2" name="Rectangle 1">
+            <a:extLst>
+              <a:ext uri="{FF2B5EF4-FFF2-40B4-BE49-F238E27FC236}">
+                <a16:creationId xmlns:a16="http://schemas.microsoft.com/office/drawing/2014/main" id="{10FF9FBE-5EC4-B953-C78C-3C150474EA04}"/>
+              </a:ext>
+            </a:extLst>
+          </p:cNvPr>
+          <p:cNvSpPr/>
+          <p:nvPr/>
+        </p:nvSpPr>
+        <p:spPr>
+          <a:xfrm>
+            <a:off x="859458" y="45132"/>
+            <a:ext cx="10380206" cy="6767738"/>
+          </a:xfrm>
+          <a:prstGeom prst="rect">
+            <a:avLst/>
+          </a:prstGeom>
+          <a:noFill/>
+        </p:spPr>
+        <p:style>
+          <a:lnRef idx="2">
+            <a:schemeClr val="accent1">
+              <a:shade val="50000"/>
+            </a:schemeClr>
+          </a:lnRef>
+          <a:fillRef idx="1">
+            <a:schemeClr val="accent1"/>
+          </a:fillRef>
+          <a:effectRef idx="0">
+            <a:schemeClr val="accent1"/>
+          </a:effectRef>
+          <a:fontRef idx="minor">
+            <a:schemeClr val="lt1"/>
+          </a:fontRef>
+        </p:style>
+        <p:txBody>
+          <a:bodyPr rtlCol="0" anchor="ctr"/>
+          <a:lstStyle/>
+          <a:p>
+            <a:pPr algn="ctr"/>
+            <a:endParaRPr lang="en-US"/>
+          </a:p>
+        </p:txBody>
+      </p:sp>
     </p:spTree>
     <p:extLst>
       <p:ext uri="{BB962C8B-B14F-4D97-AF65-F5344CB8AC3E}">
@@ -4767,6 +5341,53 @@
           </a:prstGeom>
         </p:spPr>
       </p:pic>
+      <p:sp>
+        <p:nvSpPr>
+          <p:cNvPr id="2" name="Rectangle 1">
+            <a:extLst>
+              <a:ext uri="{FF2B5EF4-FFF2-40B4-BE49-F238E27FC236}">
+                <a16:creationId xmlns:a16="http://schemas.microsoft.com/office/drawing/2014/main" id="{4671D617-396A-8C52-BDA0-BD73C6C56B79}"/>
+              </a:ext>
+            </a:extLst>
+          </p:cNvPr>
+          <p:cNvSpPr/>
+          <p:nvPr/>
+        </p:nvSpPr>
+        <p:spPr>
+          <a:xfrm>
+            <a:off x="859458" y="45132"/>
+            <a:ext cx="10380206" cy="6767738"/>
+          </a:xfrm>
+          <a:prstGeom prst="rect">
+            <a:avLst/>
+          </a:prstGeom>
+          <a:noFill/>
+        </p:spPr>
+        <p:style>
+          <a:lnRef idx="2">
+            <a:schemeClr val="accent1">
+              <a:shade val="50000"/>
+            </a:schemeClr>
+          </a:lnRef>
+          <a:fillRef idx="1">
+            <a:schemeClr val="accent1"/>
+          </a:fillRef>
+          <a:effectRef idx="0">
+            <a:schemeClr val="accent1"/>
+          </a:effectRef>
+          <a:fontRef idx="minor">
+            <a:schemeClr val="lt1"/>
+          </a:fontRef>
+        </p:style>
+        <p:txBody>
+          <a:bodyPr rtlCol="0" anchor="ctr"/>
+          <a:lstStyle/>
+          <a:p>
+            <a:pPr algn="ctr"/>
+            <a:endParaRPr lang="en-US"/>
+          </a:p>
+        </p:txBody>
+      </p:sp>
     </p:spTree>
     <p:extLst>
       <p:ext uri="{BB962C8B-B14F-4D97-AF65-F5344CB8AC3E}">
@@ -4846,7 +5467,7 @@
         </p:nvSpPr>
         <p:spPr>
           <a:xfrm>
-            <a:off x="906550" y="1735110"/>
+            <a:off x="906550" y="2688754"/>
             <a:ext cx="2021100" cy="369332"/>
           </a:xfrm>
           <a:prstGeom prst="rect">
@@ -4881,7 +5502,7 @@
         </p:nvSpPr>
         <p:spPr>
           <a:xfrm>
-            <a:off x="906551" y="2605597"/>
+            <a:off x="906551" y="5947308"/>
             <a:ext cx="1671822" cy="369332"/>
           </a:xfrm>
           <a:prstGeom prst="rect">
@@ -4902,12 +5523,47 @@
           </a:p>
         </p:txBody>
       </p:sp>
+      <p:sp>
+        <p:nvSpPr>
+          <p:cNvPr id="12" name="TextBox 11">
+            <a:extLst>
+              <a:ext uri="{FF2B5EF4-FFF2-40B4-BE49-F238E27FC236}">
+                <a16:creationId xmlns:a16="http://schemas.microsoft.com/office/drawing/2014/main" id="{13643445-4B9E-F11B-FAC4-75F72B4D9F68}"/>
+              </a:ext>
+            </a:extLst>
+          </p:cNvPr>
+          <p:cNvSpPr txBox="1"/>
+          <p:nvPr/>
+        </p:nvSpPr>
+        <p:spPr>
+          <a:xfrm>
+            <a:off x="3277461" y="5978085"/>
+            <a:ext cx="1671822" cy="307777"/>
+          </a:xfrm>
+          <a:prstGeom prst="rect">
+            <a:avLst/>
+          </a:prstGeom>
+          <a:noFill/>
+        </p:spPr>
+        <p:txBody>
+          <a:bodyPr wrap="square" rtlCol="0">
+            <a:spAutoFit/>
+          </a:bodyPr>
+          <a:lstStyle/>
+          <a:p>
+            <a:r>
+              <a:rPr lang="en-US" sz="1400" dirty="0"/>
+              <a:t>N/A</a:t>
+            </a:r>
+          </a:p>
+        </p:txBody>
+      </p:sp>
       <p:pic>
         <p:nvPicPr>
-          <p:cNvPr id="8" name="Picture 7">
-            <a:extLst>
-              <a:ext uri="{FF2B5EF4-FFF2-40B4-BE49-F238E27FC236}">
-                <a16:creationId xmlns:a16="http://schemas.microsoft.com/office/drawing/2014/main" id="{4912E585-081E-F5FF-349F-54144A3DA682}"/>
+          <p:cNvPr id="7" name="Picture 6">
+            <a:extLst>
+              <a:ext uri="{FF2B5EF4-FFF2-40B4-BE49-F238E27FC236}">
+                <a16:creationId xmlns:a16="http://schemas.microsoft.com/office/drawing/2014/main" id="{03873C88-8DCB-71F4-D745-37153F1BAB41}"/>
               </a:ext>
             </a:extLst>
           </p:cNvPr>
@@ -4924,20 +5580,387 @@
         </p:blipFill>
         <p:spPr>
           <a:xfrm>
-            <a:off x="3277461" y="630632"/>
-            <a:ext cx="3684590" cy="560119"/>
+            <a:off x="3277461" y="606017"/>
+            <a:ext cx="3795089" cy="1550805"/>
           </a:xfrm>
           <a:prstGeom prst="rect">
             <a:avLst/>
           </a:prstGeom>
         </p:spPr>
       </p:pic>
-      <p:sp>
-        <p:nvSpPr>
-          <p:cNvPr id="12" name="TextBox 11">
-            <a:extLst>
-              <a:ext uri="{FF2B5EF4-FFF2-40B4-BE49-F238E27FC236}">
-                <a16:creationId xmlns:a16="http://schemas.microsoft.com/office/drawing/2014/main" id="{13643445-4B9E-F11B-FAC4-75F72B4D9F68}"/>
+      <p:pic>
+        <p:nvPicPr>
+          <p:cNvPr id="10" name="Picture 9">
+            <a:extLst>
+              <a:ext uri="{FF2B5EF4-FFF2-40B4-BE49-F238E27FC236}">
+                <a16:creationId xmlns:a16="http://schemas.microsoft.com/office/drawing/2014/main" id="{F8CCE0A6-3C6A-4D3D-F3A3-F67AFD60C948}"/>
+              </a:ext>
+            </a:extLst>
+          </p:cNvPr>
+          <p:cNvPicPr>
+            <a:picLocks noChangeAspect="1"/>
+          </p:cNvPicPr>
+          <p:nvPr/>
+        </p:nvPicPr>
+        <p:blipFill rotWithShape="1">
+          <a:blip r:embed="rId3"/>
+          <a:srcRect t="94061"/>
+          <a:stretch/>
+        </p:blipFill>
+        <p:spPr>
+          <a:xfrm>
+            <a:off x="3277461" y="5458538"/>
+            <a:ext cx="3741744" cy="268627"/>
+          </a:xfrm>
+          <a:prstGeom prst="rect">
+            <a:avLst/>
+          </a:prstGeom>
+        </p:spPr>
+      </p:pic>
+      <p:pic>
+        <p:nvPicPr>
+          <p:cNvPr id="11" name="Picture 10">
+            <a:extLst>
+              <a:ext uri="{FF2B5EF4-FFF2-40B4-BE49-F238E27FC236}">
+                <a16:creationId xmlns:a16="http://schemas.microsoft.com/office/drawing/2014/main" id="{DE14C122-D4BB-50EC-57E5-4689857E87BC}"/>
+              </a:ext>
+            </a:extLst>
+          </p:cNvPr>
+          <p:cNvPicPr>
+            <a:picLocks noChangeAspect="1"/>
+          </p:cNvPicPr>
+          <p:nvPr/>
+        </p:nvPicPr>
+        <p:blipFill rotWithShape="1">
+          <a:blip r:embed="rId3"/>
+          <a:srcRect b="95342"/>
+          <a:stretch/>
+        </p:blipFill>
+        <p:spPr>
+          <a:xfrm>
+            <a:off x="3277461" y="2419298"/>
+            <a:ext cx="3741744" cy="210657"/>
+          </a:xfrm>
+          <a:prstGeom prst="rect">
+            <a:avLst/>
+          </a:prstGeom>
+        </p:spPr>
+      </p:pic>
+      <p:pic>
+        <p:nvPicPr>
+          <p:cNvPr id="13" name="Picture 12">
+            <a:extLst>
+              <a:ext uri="{FF2B5EF4-FFF2-40B4-BE49-F238E27FC236}">
+                <a16:creationId xmlns:a16="http://schemas.microsoft.com/office/drawing/2014/main" id="{EFA553D9-3EDE-E5C7-0CFA-186D3CCB5BD1}"/>
+              </a:ext>
+            </a:extLst>
+          </p:cNvPr>
+          <p:cNvPicPr>
+            <a:picLocks noChangeAspect="1"/>
+          </p:cNvPicPr>
+          <p:nvPr/>
+        </p:nvPicPr>
+        <p:blipFill rotWithShape="1">
+          <a:blip r:embed="rId3"/>
+          <a:srcRect t="8651" b="83438"/>
+          <a:stretch/>
+        </p:blipFill>
+        <p:spPr>
+          <a:xfrm>
+            <a:off x="3277461" y="2647129"/>
+            <a:ext cx="3741744" cy="357809"/>
+          </a:xfrm>
+          <a:prstGeom prst="rect">
+            <a:avLst/>
+          </a:prstGeom>
+        </p:spPr>
+      </p:pic>
+      <p:pic>
+        <p:nvPicPr>
+          <p:cNvPr id="14" name="Picture 13">
+            <a:extLst>
+              <a:ext uri="{FF2B5EF4-FFF2-40B4-BE49-F238E27FC236}">
+                <a16:creationId xmlns:a16="http://schemas.microsoft.com/office/drawing/2014/main" id="{30435696-AFCD-AB87-0628-81B1E14F58AB}"/>
+              </a:ext>
+            </a:extLst>
+          </p:cNvPr>
+          <p:cNvPicPr>
+            <a:picLocks noChangeAspect="1"/>
+          </p:cNvPicPr>
+          <p:nvPr/>
+        </p:nvPicPr>
+        <p:blipFill rotWithShape="1">
+          <a:blip r:embed="rId3"/>
+          <a:srcRect t="21045" b="72488"/>
+          <a:stretch/>
+        </p:blipFill>
+        <p:spPr>
+          <a:xfrm>
+            <a:off x="3277461" y="3080032"/>
+            <a:ext cx="3741744" cy="292512"/>
+          </a:xfrm>
+          <a:prstGeom prst="rect">
+            <a:avLst/>
+          </a:prstGeom>
+        </p:spPr>
+      </p:pic>
+      <p:pic>
+        <p:nvPicPr>
+          <p:cNvPr id="15" name="Picture 14">
+            <a:extLst>
+              <a:ext uri="{FF2B5EF4-FFF2-40B4-BE49-F238E27FC236}">
+                <a16:creationId xmlns:a16="http://schemas.microsoft.com/office/drawing/2014/main" id="{0501AB03-9861-DAAE-B62A-14D29E573CCF}"/>
+              </a:ext>
+            </a:extLst>
+          </p:cNvPr>
+          <p:cNvPicPr>
+            <a:picLocks noChangeAspect="1"/>
+          </p:cNvPicPr>
+          <p:nvPr/>
+        </p:nvPicPr>
+        <p:blipFill rotWithShape="1">
+          <a:blip r:embed="rId3"/>
+          <a:srcRect t="31602" b="61254"/>
+          <a:stretch/>
+        </p:blipFill>
+        <p:spPr>
+          <a:xfrm>
+            <a:off x="3277461" y="3437841"/>
+            <a:ext cx="3741744" cy="323100"/>
+          </a:xfrm>
+          <a:prstGeom prst="rect">
+            <a:avLst/>
+          </a:prstGeom>
+        </p:spPr>
+      </p:pic>
+      <p:pic>
+        <p:nvPicPr>
+          <p:cNvPr id="16" name="Picture 15">
+            <a:extLst>
+              <a:ext uri="{FF2B5EF4-FFF2-40B4-BE49-F238E27FC236}">
+                <a16:creationId xmlns:a16="http://schemas.microsoft.com/office/drawing/2014/main" id="{6BF4BBFE-7AFA-331A-B762-34DE700F39D5}"/>
+              </a:ext>
+            </a:extLst>
+          </p:cNvPr>
+          <p:cNvPicPr>
+            <a:picLocks noChangeAspect="1"/>
+          </p:cNvPicPr>
+          <p:nvPr/>
+        </p:nvPicPr>
+        <p:blipFill rotWithShape="1">
+          <a:blip r:embed="rId3"/>
+          <a:srcRect t="40911" b="50898"/>
+          <a:stretch/>
+        </p:blipFill>
+        <p:spPr>
+          <a:xfrm>
+            <a:off x="3277461" y="3742202"/>
+            <a:ext cx="3741744" cy="370471"/>
+          </a:xfrm>
+          <a:prstGeom prst="rect">
+            <a:avLst/>
+          </a:prstGeom>
+        </p:spPr>
+      </p:pic>
+      <p:pic>
+        <p:nvPicPr>
+          <p:cNvPr id="17" name="Picture 16">
+            <a:extLst>
+              <a:ext uri="{FF2B5EF4-FFF2-40B4-BE49-F238E27FC236}">
+                <a16:creationId xmlns:a16="http://schemas.microsoft.com/office/drawing/2014/main" id="{F4A55944-167A-A527-9790-A970F4732C8C}"/>
+              </a:ext>
+            </a:extLst>
+          </p:cNvPr>
+          <p:cNvPicPr>
+            <a:picLocks noChangeAspect="1"/>
+          </p:cNvPicPr>
+          <p:nvPr/>
+        </p:nvPicPr>
+        <p:blipFill rotWithShape="1">
+          <a:blip r:embed="rId3"/>
+          <a:srcRect t="52718" b="40139"/>
+          <a:stretch/>
+        </p:blipFill>
+        <p:spPr>
+          <a:xfrm>
+            <a:off x="3277461" y="4132712"/>
+            <a:ext cx="3741744" cy="323101"/>
+          </a:xfrm>
+          <a:prstGeom prst="rect">
+            <a:avLst/>
+          </a:prstGeom>
+        </p:spPr>
+      </p:pic>
+      <p:pic>
+        <p:nvPicPr>
+          <p:cNvPr id="19" name="Picture 18">
+            <a:extLst>
+              <a:ext uri="{FF2B5EF4-FFF2-40B4-BE49-F238E27FC236}">
+                <a16:creationId xmlns:a16="http://schemas.microsoft.com/office/drawing/2014/main" id="{7D5FE6F6-023A-E286-BBB9-FE3987D339FA}"/>
+              </a:ext>
+            </a:extLst>
+          </p:cNvPr>
+          <p:cNvPicPr>
+            <a:picLocks noChangeAspect="1"/>
+          </p:cNvPicPr>
+          <p:nvPr/>
+        </p:nvPicPr>
+        <p:blipFill rotWithShape="1">
+          <a:blip r:embed="rId3"/>
+          <a:srcRect t="63410" b="29446"/>
+          <a:stretch/>
+        </p:blipFill>
+        <p:spPr>
+          <a:xfrm>
+            <a:off x="3277461" y="4475852"/>
+            <a:ext cx="3741744" cy="323100"/>
+          </a:xfrm>
+          <a:prstGeom prst="rect">
+            <a:avLst/>
+          </a:prstGeom>
+        </p:spPr>
+      </p:pic>
+      <p:pic>
+        <p:nvPicPr>
+          <p:cNvPr id="20" name="Picture 19">
+            <a:extLst>
+              <a:ext uri="{FF2B5EF4-FFF2-40B4-BE49-F238E27FC236}">
+                <a16:creationId xmlns:a16="http://schemas.microsoft.com/office/drawing/2014/main" id="{E74BCA93-2E9A-A744-0821-15AECF5A4058}"/>
+              </a:ext>
+            </a:extLst>
+          </p:cNvPr>
+          <p:cNvPicPr>
+            <a:picLocks noChangeAspect="1"/>
+          </p:cNvPicPr>
+          <p:nvPr/>
+        </p:nvPicPr>
+        <p:blipFill rotWithShape="1">
+          <a:blip r:embed="rId3"/>
+          <a:srcRect t="74317" b="19216"/>
+          <a:stretch/>
+        </p:blipFill>
+        <p:spPr>
+          <a:xfrm>
+            <a:off x="3277461" y="4838705"/>
+            <a:ext cx="3741744" cy="292512"/>
+          </a:xfrm>
+          <a:prstGeom prst="rect">
+            <a:avLst/>
+          </a:prstGeom>
+        </p:spPr>
+      </p:pic>
+      <p:pic>
+        <p:nvPicPr>
+          <p:cNvPr id="21" name="Picture 20">
+            <a:extLst>
+              <a:ext uri="{FF2B5EF4-FFF2-40B4-BE49-F238E27FC236}">
+                <a16:creationId xmlns:a16="http://schemas.microsoft.com/office/drawing/2014/main" id="{F1E54E4A-8EBC-534B-E37D-68FDA9452BD1}"/>
+              </a:ext>
+            </a:extLst>
+          </p:cNvPr>
+          <p:cNvPicPr>
+            <a:picLocks noChangeAspect="1"/>
+          </p:cNvPicPr>
+          <p:nvPr/>
+        </p:nvPicPr>
+        <p:blipFill rotWithShape="1">
+          <a:blip r:embed="rId3"/>
+          <a:srcRect t="84648" b="9688"/>
+          <a:stretch/>
+        </p:blipFill>
+        <p:spPr>
+          <a:xfrm>
+            <a:off x="3277461" y="5188546"/>
+            <a:ext cx="3741744" cy="256209"/>
+          </a:xfrm>
+          <a:prstGeom prst="rect">
+            <a:avLst/>
+          </a:prstGeom>
+        </p:spPr>
+      </p:pic>
+      <p:sp>
+        <p:nvSpPr>
+          <p:cNvPr id="22" name="Rectangle 21">
+            <a:extLst>
+              <a:ext uri="{FF2B5EF4-FFF2-40B4-BE49-F238E27FC236}">
+                <a16:creationId xmlns:a16="http://schemas.microsoft.com/office/drawing/2014/main" id="{2AA540C5-D687-ED32-5602-FF3412B585C3}"/>
+              </a:ext>
+            </a:extLst>
+          </p:cNvPr>
+          <p:cNvSpPr/>
+          <p:nvPr/>
+        </p:nvSpPr>
+        <p:spPr>
+          <a:xfrm>
+            <a:off x="859458" y="45132"/>
+            <a:ext cx="10380206" cy="6767738"/>
+          </a:xfrm>
+          <a:prstGeom prst="rect">
+            <a:avLst/>
+          </a:prstGeom>
+          <a:noFill/>
+        </p:spPr>
+        <p:style>
+          <a:lnRef idx="2">
+            <a:schemeClr val="accent1">
+              <a:shade val="50000"/>
+            </a:schemeClr>
+          </a:lnRef>
+          <a:fillRef idx="1">
+            <a:schemeClr val="accent1"/>
+          </a:fillRef>
+          <a:effectRef idx="0">
+            <a:schemeClr val="accent1"/>
+          </a:effectRef>
+          <a:fontRef idx="minor">
+            <a:schemeClr val="lt1"/>
+          </a:fontRef>
+        </p:style>
+        <p:txBody>
+          <a:bodyPr rtlCol="0" anchor="ctr"/>
+          <a:lstStyle/>
+          <a:p>
+            <a:pPr algn="ctr"/>
+            <a:endParaRPr lang="en-US"/>
+          </a:p>
+        </p:txBody>
+      </p:sp>
+    </p:spTree>
+    <p:extLst>
+      <p:ext uri="{BB962C8B-B14F-4D97-AF65-F5344CB8AC3E}">
+        <p14:creationId xmlns:p14="http://schemas.microsoft.com/office/powerpoint/2010/main" val="4203560304"/>
+      </p:ext>
+    </p:extLst>
+  </p:cSld>
+  <p:clrMapOvr>
+    <a:masterClrMapping/>
+  </p:clrMapOvr>
+</p:sld>
+</file>
+
+<file path=ppt/slides/slide7.xml><?xml version="1.0" encoding="utf-8"?>
+<p:sld xmlns:a="http://schemas.openxmlformats.org/drawingml/2006/main" xmlns:r="http://schemas.openxmlformats.org/officeDocument/2006/relationships" xmlns:p="http://schemas.openxmlformats.org/presentationml/2006/main">
+  <p:cSld>
+    <p:spTree>
+      <p:nvGrpSpPr>
+        <p:cNvPr id="1" name=""/>
+        <p:cNvGrpSpPr/>
+        <p:nvPr/>
+      </p:nvGrpSpPr>
+      <p:grpSpPr>
+        <a:xfrm>
+          <a:off x="0" y="0"/>
+          <a:ext cx="0" cy="0"/>
+          <a:chOff x="0" y="0"/>
+          <a:chExt cx="0" cy="0"/>
+        </a:xfrm>
+      </p:grpSpPr>
+      <p:sp>
+        <p:nvSpPr>
+          <p:cNvPr id="4" name="TextBox 3">
+            <a:extLst>
+              <a:ext uri="{FF2B5EF4-FFF2-40B4-BE49-F238E27FC236}">
+                <a16:creationId xmlns:a16="http://schemas.microsoft.com/office/drawing/2014/main" id="{028D40D8-B376-98EB-C5C7-4763F543BF7F}"/>
               </a:ext>
             </a:extLst>
           </p:cNvPr>
@@ -4946,8 +5969,8 @@
         </p:nvSpPr>
         <p:spPr>
           <a:xfrm>
-            <a:off x="3277461" y="2636374"/>
-            <a:ext cx="1671822" cy="307777"/>
+            <a:off x="906551" y="726026"/>
+            <a:ext cx="1671822" cy="369332"/>
           </a:xfrm>
           <a:prstGeom prst="rect">
             <a:avLst/>
@@ -4961,6 +5984,141 @@
           <a:lstStyle/>
           <a:p>
             <a:r>
+              <a:rPr lang="en-US" dirty="0"/>
+              <a:t>Code Example:</a:t>
+            </a:r>
+          </a:p>
+        </p:txBody>
+      </p:sp>
+      <p:sp>
+        <p:nvSpPr>
+          <p:cNvPr id="5" name="TextBox 4">
+            <a:extLst>
+              <a:ext uri="{FF2B5EF4-FFF2-40B4-BE49-F238E27FC236}">
+                <a16:creationId xmlns:a16="http://schemas.microsoft.com/office/drawing/2014/main" id="{9766E413-099E-1462-5446-20F4334D9C0A}"/>
+              </a:ext>
+            </a:extLst>
+          </p:cNvPr>
+          <p:cNvSpPr txBox="1"/>
+          <p:nvPr/>
+        </p:nvSpPr>
+        <p:spPr>
+          <a:xfrm>
+            <a:off x="906550" y="1790802"/>
+            <a:ext cx="2021100" cy="369332"/>
+          </a:xfrm>
+          <a:prstGeom prst="rect">
+            <a:avLst/>
+          </a:prstGeom>
+          <a:noFill/>
+        </p:spPr>
+        <p:txBody>
+          <a:bodyPr wrap="square" rtlCol="0">
+            <a:spAutoFit/>
+          </a:bodyPr>
+          <a:lstStyle/>
+          <a:p>
+            <a:r>
+              <a:rPr lang="en-US" dirty="0"/>
+              <a:t>Calculation Report:</a:t>
+            </a:r>
+          </a:p>
+        </p:txBody>
+      </p:sp>
+      <p:pic>
+        <p:nvPicPr>
+          <p:cNvPr id="7" name="Picture 6">
+            <a:extLst>
+              <a:ext uri="{FF2B5EF4-FFF2-40B4-BE49-F238E27FC236}">
+                <a16:creationId xmlns:a16="http://schemas.microsoft.com/office/drawing/2014/main" id="{5E51AA4A-0002-EB62-50B2-3C2A6C5DD4F8}"/>
+              </a:ext>
+            </a:extLst>
+          </p:cNvPr>
+          <p:cNvPicPr>
+            <a:picLocks noChangeAspect="1"/>
+          </p:cNvPicPr>
+          <p:nvPr/>
+        </p:nvPicPr>
+        <p:blipFill>
+          <a:blip r:embed="rId2"/>
+          <a:stretch>
+            <a:fillRect/>
+          </a:stretch>
+        </p:blipFill>
+        <p:spPr>
+          <a:xfrm>
+            <a:off x="3277461" y="740997"/>
+            <a:ext cx="7460627" cy="354361"/>
+          </a:xfrm>
+          <a:prstGeom prst="rect">
+            <a:avLst/>
+          </a:prstGeom>
+        </p:spPr>
+      </p:pic>
+      <p:sp>
+        <p:nvSpPr>
+          <p:cNvPr id="8" name="TextBox 7">
+            <a:extLst>
+              <a:ext uri="{FF2B5EF4-FFF2-40B4-BE49-F238E27FC236}">
+                <a16:creationId xmlns:a16="http://schemas.microsoft.com/office/drawing/2014/main" id="{BEB1A779-ACA2-8ABF-4EC4-14EED96EF03B}"/>
+              </a:ext>
+            </a:extLst>
+          </p:cNvPr>
+          <p:cNvSpPr txBox="1"/>
+          <p:nvPr/>
+        </p:nvSpPr>
+        <p:spPr>
+          <a:xfrm>
+            <a:off x="906551" y="2486246"/>
+            <a:ext cx="1671822" cy="369332"/>
+          </a:xfrm>
+          <a:prstGeom prst="rect">
+            <a:avLst/>
+          </a:prstGeom>
+          <a:noFill/>
+        </p:spPr>
+        <p:txBody>
+          <a:bodyPr wrap="square" rtlCol="0">
+            <a:spAutoFit/>
+          </a:bodyPr>
+          <a:lstStyle/>
+          <a:p>
+            <a:r>
+              <a:rPr lang="en-US" dirty="0"/>
+              <a:t>Design Portal:</a:t>
+            </a:r>
+          </a:p>
+        </p:txBody>
+      </p:sp>
+      <p:sp>
+        <p:nvSpPr>
+          <p:cNvPr id="10" name="TextBox 9">
+            <a:extLst>
+              <a:ext uri="{FF2B5EF4-FFF2-40B4-BE49-F238E27FC236}">
+                <a16:creationId xmlns:a16="http://schemas.microsoft.com/office/drawing/2014/main" id="{0054EB98-9DEE-D879-E358-AF7961C8E085}"/>
+              </a:ext>
+            </a:extLst>
+          </p:cNvPr>
+          <p:cNvSpPr txBox="1"/>
+          <p:nvPr/>
+        </p:nvSpPr>
+        <p:spPr>
+          <a:xfrm>
+            <a:off x="3277461" y="2517023"/>
+            <a:ext cx="1671822" cy="307777"/>
+          </a:xfrm>
+          <a:prstGeom prst="rect">
+            <a:avLst/>
+          </a:prstGeom>
+          <a:noFill/>
+        </p:spPr>
+        <p:txBody>
+          <a:bodyPr wrap="square" rtlCol="0">
+            <a:spAutoFit/>
+          </a:bodyPr>
+          <a:lstStyle/>
+          <a:p>
+            <a:r>
               <a:rPr lang="en-US" sz="1400" dirty="0"/>
               <a:t>N/A</a:t>
             </a:r>
@@ -4969,10 +6127,10 @@
       </p:sp>
       <p:pic>
         <p:nvPicPr>
-          <p:cNvPr id="3" name="Picture 2">
-            <a:extLst>
-              <a:ext uri="{FF2B5EF4-FFF2-40B4-BE49-F238E27FC236}">
-                <a16:creationId xmlns:a16="http://schemas.microsoft.com/office/drawing/2014/main" id="{D51ADC93-D944-0228-B218-D3F3465AA994}"/>
+          <p:cNvPr id="15" name="Picture 14">
+            <a:extLst>
+              <a:ext uri="{FF2B5EF4-FFF2-40B4-BE49-F238E27FC236}">
+                <a16:creationId xmlns:a16="http://schemas.microsoft.com/office/drawing/2014/main" id="{66A06B18-3900-E887-853E-0D8EBB696618}"/>
               </a:ext>
             </a:extLst>
           </p:cNvPr>
@@ -4989,20 +6147,127 @@
         </p:blipFill>
         <p:spPr>
           <a:xfrm>
-            <a:off x="3277461" y="1517786"/>
-            <a:ext cx="3566469" cy="803980"/>
+            <a:off x="3277461" y="1653630"/>
+            <a:ext cx="5917443" cy="274344"/>
           </a:xfrm>
           <a:prstGeom prst="rect">
             <a:avLst/>
           </a:prstGeom>
         </p:spPr>
       </p:pic>
-      <p:sp>
-        <p:nvSpPr>
-          <p:cNvPr id="2" name="TextBox 1">
-            <a:extLst>
-              <a:ext uri="{FF2B5EF4-FFF2-40B4-BE49-F238E27FC236}">
-                <a16:creationId xmlns:a16="http://schemas.microsoft.com/office/drawing/2014/main" id="{DF94923F-E9CA-B2F3-C263-C7350DE0D610}"/>
+      <p:pic>
+        <p:nvPicPr>
+          <p:cNvPr id="17" name="Picture 16">
+            <a:extLst>
+              <a:ext uri="{FF2B5EF4-FFF2-40B4-BE49-F238E27FC236}">
+                <a16:creationId xmlns:a16="http://schemas.microsoft.com/office/drawing/2014/main" id="{F968036A-A4DC-1D84-239B-DFACC6AE9A05}"/>
+              </a:ext>
+            </a:extLst>
+          </p:cNvPr>
+          <p:cNvPicPr>
+            <a:picLocks noChangeAspect="1"/>
+          </p:cNvPicPr>
+          <p:nvPr/>
+        </p:nvPicPr>
+        <p:blipFill>
+          <a:blip r:embed="rId4"/>
+          <a:stretch>
+            <a:fillRect/>
+          </a:stretch>
+        </p:blipFill>
+        <p:spPr>
+          <a:xfrm>
+            <a:off x="3304929" y="1927974"/>
+            <a:ext cx="3143523" cy="312447"/>
+          </a:xfrm>
+          <a:prstGeom prst="rect">
+            <a:avLst/>
+          </a:prstGeom>
+        </p:spPr>
+      </p:pic>
+      <p:sp>
+        <p:nvSpPr>
+          <p:cNvPr id="18" name="Rectangle 17">
+            <a:extLst>
+              <a:ext uri="{FF2B5EF4-FFF2-40B4-BE49-F238E27FC236}">
+                <a16:creationId xmlns:a16="http://schemas.microsoft.com/office/drawing/2014/main" id="{6FB3F63F-7F7A-CB29-896B-91F1F07C308C}"/>
+              </a:ext>
+            </a:extLst>
+          </p:cNvPr>
+          <p:cNvSpPr/>
+          <p:nvPr/>
+        </p:nvSpPr>
+        <p:spPr>
+          <a:xfrm>
+            <a:off x="859458" y="45132"/>
+            <a:ext cx="10380206" cy="6767738"/>
+          </a:xfrm>
+          <a:prstGeom prst="rect">
+            <a:avLst/>
+          </a:prstGeom>
+          <a:noFill/>
+        </p:spPr>
+        <p:style>
+          <a:lnRef idx="2">
+            <a:schemeClr val="accent1">
+              <a:shade val="50000"/>
+            </a:schemeClr>
+          </a:lnRef>
+          <a:fillRef idx="1">
+            <a:schemeClr val="accent1"/>
+          </a:fillRef>
+          <a:effectRef idx="0">
+            <a:schemeClr val="accent1"/>
+          </a:effectRef>
+          <a:fontRef idx="minor">
+            <a:schemeClr val="lt1"/>
+          </a:fontRef>
+        </p:style>
+        <p:txBody>
+          <a:bodyPr rtlCol="0" anchor="ctr"/>
+          <a:lstStyle/>
+          <a:p>
+            <a:pPr algn="ctr"/>
+            <a:endParaRPr lang="en-US"/>
+          </a:p>
+        </p:txBody>
+      </p:sp>
+    </p:spTree>
+    <p:extLst>
+      <p:ext uri="{BB962C8B-B14F-4D97-AF65-F5344CB8AC3E}">
+        <p14:creationId xmlns:p14="http://schemas.microsoft.com/office/powerpoint/2010/main" val="2941680704"/>
+      </p:ext>
+    </p:extLst>
+  </p:cSld>
+  <p:clrMapOvr>
+    <a:masterClrMapping/>
+  </p:clrMapOvr>
+</p:sld>
+</file>
+
+<file path=ppt/slides/slide8.xml><?xml version="1.0" encoding="utf-8"?>
+<p:sld xmlns:a="http://schemas.openxmlformats.org/drawingml/2006/main" xmlns:r="http://schemas.openxmlformats.org/officeDocument/2006/relationships" xmlns:p="http://schemas.openxmlformats.org/presentationml/2006/main">
+  <p:cSld>
+    <p:spTree>
+      <p:nvGrpSpPr>
+        <p:cNvPr id="1" name=""/>
+        <p:cNvGrpSpPr/>
+        <p:nvPr/>
+      </p:nvGrpSpPr>
+      <p:grpSpPr>
+        <a:xfrm>
+          <a:off x="0" y="0"/>
+          <a:ext cx="0" cy="0"/>
+          <a:chOff x="0" y="0"/>
+          <a:chExt cx="0" cy="0"/>
+        </a:xfrm>
+      </p:grpSpPr>
+      <p:sp>
+        <p:nvSpPr>
+          <p:cNvPr id="4" name="TextBox 3">
+            <a:extLst>
+              <a:ext uri="{FF2B5EF4-FFF2-40B4-BE49-F238E27FC236}">
+                <a16:creationId xmlns:a16="http://schemas.microsoft.com/office/drawing/2014/main" id="{028D40D8-B376-98EB-C5C7-4763F543BF7F}"/>
               </a:ext>
             </a:extLst>
           </p:cNvPr>
@@ -5011,8 +6276,8 @@
         </p:nvSpPr>
         <p:spPr>
           <a:xfrm>
-            <a:off x="3277461" y="4169209"/>
-            <a:ext cx="1671822" cy="954107"/>
+            <a:off x="906551" y="726026"/>
+            <a:ext cx="1671822" cy="369332"/>
           </a:xfrm>
           <a:prstGeom prst="rect">
             <a:avLst/>
@@ -5026,37 +6291,221 @@
           <a:lstStyle/>
           <a:p>
             <a:r>
+              <a:rPr lang="en-US" dirty="0"/>
+              <a:t>Code Example:</a:t>
+            </a:r>
+          </a:p>
+        </p:txBody>
+      </p:sp>
+      <p:sp>
+        <p:nvSpPr>
+          <p:cNvPr id="5" name="TextBox 4">
+            <a:extLst>
+              <a:ext uri="{FF2B5EF4-FFF2-40B4-BE49-F238E27FC236}">
+                <a16:creationId xmlns:a16="http://schemas.microsoft.com/office/drawing/2014/main" id="{9766E413-099E-1462-5446-20F4334D9C0A}"/>
+              </a:ext>
+            </a:extLst>
+          </p:cNvPr>
+          <p:cNvSpPr txBox="1"/>
+          <p:nvPr/>
+        </p:nvSpPr>
+        <p:spPr>
+          <a:xfrm>
+            <a:off x="906550" y="1359632"/>
+            <a:ext cx="2021100" cy="369332"/>
+          </a:xfrm>
+          <a:prstGeom prst="rect">
+            <a:avLst/>
+          </a:prstGeom>
+          <a:noFill/>
+        </p:spPr>
+        <p:txBody>
+          <a:bodyPr wrap="square" rtlCol="0">
+            <a:spAutoFit/>
+          </a:bodyPr>
+          <a:lstStyle/>
+          <a:p>
+            <a:r>
+              <a:rPr lang="en-US" dirty="0"/>
+              <a:t>Calculation Report:</a:t>
+            </a:r>
+          </a:p>
+        </p:txBody>
+      </p:sp>
+      <p:sp>
+        <p:nvSpPr>
+          <p:cNvPr id="6" name="TextBox 5">
+            <a:extLst>
+              <a:ext uri="{FF2B5EF4-FFF2-40B4-BE49-F238E27FC236}">
+                <a16:creationId xmlns:a16="http://schemas.microsoft.com/office/drawing/2014/main" id="{F8A992CC-835E-7178-60B3-127F48632048}"/>
+              </a:ext>
+            </a:extLst>
+          </p:cNvPr>
+          <p:cNvSpPr txBox="1"/>
+          <p:nvPr/>
+        </p:nvSpPr>
+        <p:spPr>
+          <a:xfrm>
+            <a:off x="906551" y="2037192"/>
+            <a:ext cx="1671822" cy="369332"/>
+          </a:xfrm>
+          <a:prstGeom prst="rect">
+            <a:avLst/>
+          </a:prstGeom>
+          <a:noFill/>
+        </p:spPr>
+        <p:txBody>
+          <a:bodyPr wrap="square" rtlCol="0">
+            <a:spAutoFit/>
+          </a:bodyPr>
+          <a:lstStyle/>
+          <a:p>
+            <a:r>
+              <a:rPr lang="en-US" dirty="0"/>
+              <a:t>Design Portal:</a:t>
+            </a:r>
+          </a:p>
+        </p:txBody>
+      </p:sp>
+      <p:sp>
+        <p:nvSpPr>
+          <p:cNvPr id="12" name="TextBox 11">
+            <a:extLst>
+              <a:ext uri="{FF2B5EF4-FFF2-40B4-BE49-F238E27FC236}">
+                <a16:creationId xmlns:a16="http://schemas.microsoft.com/office/drawing/2014/main" id="{13643445-4B9E-F11B-FAC4-75F72B4D9F68}"/>
+              </a:ext>
+            </a:extLst>
+          </p:cNvPr>
+          <p:cNvSpPr txBox="1"/>
+          <p:nvPr/>
+        </p:nvSpPr>
+        <p:spPr>
+          <a:xfrm>
+            <a:off x="3277461" y="2067969"/>
+            <a:ext cx="1671822" cy="307777"/>
+          </a:xfrm>
+          <a:prstGeom prst="rect">
+            <a:avLst/>
+          </a:prstGeom>
+          <a:noFill/>
+        </p:spPr>
+        <p:txBody>
+          <a:bodyPr wrap="square" rtlCol="0">
+            <a:spAutoFit/>
+          </a:bodyPr>
+          <a:lstStyle/>
+          <a:p>
+            <a:r>
               <a:rPr lang="en-US" sz="1400" dirty="0"/>
-              <a:t>TODO: </a:t>
-            </a:r>
-          </a:p>
-          <a:p>
-            <a:pPr marL="342900" indent="-342900">
-              <a:buAutoNum type="arabicPeriod"/>
-            </a:pPr>
-            <a:r>
-              <a:rPr lang="en-US" sz="1400" dirty="0"/>
-              <a:t>Heading</a:t>
-            </a:r>
-          </a:p>
-          <a:p>
-            <a:pPr marL="342900" indent="-342900">
-              <a:buAutoNum type="arabicPeriod"/>
-            </a:pPr>
-            <a:r>
-              <a:rPr lang="en-US" sz="1400" dirty="0" err="1"/>
-              <a:t>TextBlock</a:t>
-            </a:r>
-            <a:endParaRPr lang="en-US" sz="1400" dirty="0"/>
-          </a:p>
-          <a:p>
-            <a:pPr marL="342900" indent="-342900">
-              <a:buAutoNum type="arabicPeriod"/>
-            </a:pPr>
-            <a:r>
-              <a:rPr lang="en-US" sz="1400" dirty="0"/>
-              <a:t>Title</a:t>
-            </a:r>
+              <a:t>N/A</a:t>
+            </a:r>
+          </a:p>
+        </p:txBody>
+      </p:sp>
+      <p:pic>
+        <p:nvPicPr>
+          <p:cNvPr id="9" name="Picture 8">
+            <a:extLst>
+              <a:ext uri="{FF2B5EF4-FFF2-40B4-BE49-F238E27FC236}">
+                <a16:creationId xmlns:a16="http://schemas.microsoft.com/office/drawing/2014/main" id="{99DD15E1-52ED-2CF3-529E-C488EA4747B6}"/>
+              </a:ext>
+            </a:extLst>
+          </p:cNvPr>
+          <p:cNvPicPr>
+            <a:picLocks noChangeAspect="1"/>
+          </p:cNvPicPr>
+          <p:nvPr/>
+        </p:nvPicPr>
+        <p:blipFill>
+          <a:blip r:embed="rId2"/>
+          <a:stretch>
+            <a:fillRect/>
+          </a:stretch>
+        </p:blipFill>
+        <p:spPr>
+          <a:xfrm>
+            <a:off x="3277461" y="794477"/>
+            <a:ext cx="2103303" cy="232430"/>
+          </a:xfrm>
+          <a:prstGeom prst="rect">
+            <a:avLst/>
+          </a:prstGeom>
+        </p:spPr>
+      </p:pic>
+      <p:pic>
+        <p:nvPicPr>
+          <p:cNvPr id="11" name="Picture 10">
+            <a:extLst>
+              <a:ext uri="{FF2B5EF4-FFF2-40B4-BE49-F238E27FC236}">
+                <a16:creationId xmlns:a16="http://schemas.microsoft.com/office/drawing/2014/main" id="{DD68FD41-05C5-B2F9-6EBB-8F9ECD7F1409}"/>
+              </a:ext>
+            </a:extLst>
+          </p:cNvPr>
+          <p:cNvPicPr>
+            <a:picLocks noChangeAspect="1"/>
+          </p:cNvPicPr>
+          <p:nvPr/>
+        </p:nvPicPr>
+        <p:blipFill>
+          <a:blip r:embed="rId3"/>
+          <a:stretch>
+            <a:fillRect/>
+          </a:stretch>
+        </p:blipFill>
+        <p:spPr>
+          <a:xfrm>
+            <a:off x="3277461" y="1315678"/>
+            <a:ext cx="4736241" cy="457240"/>
+          </a:xfrm>
+          <a:prstGeom prst="rect">
+            <a:avLst/>
+          </a:prstGeom>
+        </p:spPr>
+      </p:pic>
+      <p:sp>
+        <p:nvSpPr>
+          <p:cNvPr id="13" name="Rectangle 12">
+            <a:extLst>
+              <a:ext uri="{FF2B5EF4-FFF2-40B4-BE49-F238E27FC236}">
+                <a16:creationId xmlns:a16="http://schemas.microsoft.com/office/drawing/2014/main" id="{DE3BF716-CE2B-8D01-B946-AD454253E52C}"/>
+              </a:ext>
+            </a:extLst>
+          </p:cNvPr>
+          <p:cNvSpPr/>
+          <p:nvPr/>
+        </p:nvSpPr>
+        <p:spPr>
+          <a:xfrm>
+            <a:off x="859458" y="45132"/>
+            <a:ext cx="10380206" cy="6767738"/>
+          </a:xfrm>
+          <a:prstGeom prst="rect">
+            <a:avLst/>
+          </a:prstGeom>
+          <a:noFill/>
+        </p:spPr>
+        <p:style>
+          <a:lnRef idx="2">
+            <a:schemeClr val="accent1">
+              <a:shade val="50000"/>
+            </a:schemeClr>
+          </a:lnRef>
+          <a:fillRef idx="1">
+            <a:schemeClr val="accent1"/>
+          </a:fillRef>
+          <a:effectRef idx="0">
+            <a:schemeClr val="accent1"/>
+          </a:effectRef>
+          <a:fontRef idx="minor">
+            <a:schemeClr val="lt1"/>
+          </a:fontRef>
+        </p:style>
+        <p:txBody>
+          <a:bodyPr rtlCol="0" anchor="ctr"/>
+          <a:lstStyle/>
+          <a:p>
+            <a:pPr algn="ctr"/>
+            <a:endParaRPr lang="en-US"/>
           </a:p>
         </p:txBody>
       </p:sp>
